--- a/python/1-Day/Introduction to python.pptx
+++ b/python/1-Day/Introduction to python.pptx
@@ -201,7 +201,7 @@
             <a:fld id="{4DB62DA6-9F0D-4D1A-BA58-A16CF5D583BC}" type="datetimeFigureOut">
               <a:rPr lang="en-US" smtClean="0"/>
               <a:pPr/>
-              <a:t>7/9/2020</a:t>
+              <a:t>6/27/2020</a:t>
             </a:fld>
             <a:endParaRPr lang="en-US"/>
           </a:p>
@@ -364,7 +364,7 @@
             <a:fld id="{3E0ECC1A-6F08-4C6E-9F48-A2BB9CB0C50D}" type="datetimeFigureOut">
               <a:rPr lang="en-US" smtClean="0"/>
               <a:pPr/>
-              <a:t>7/9/2020</a:t>
+              <a:t>6/27/2020</a:t>
             </a:fld>
             <a:endParaRPr lang="en-US"/>
           </a:p>
@@ -870,7 +870,7 @@
             <a:fld id="{E964EBC9-CD3B-4C50-8EC1-49E1A1D58D9B}" type="datetime1">
               <a:rPr lang="en-US" smtClean="0"/>
               <a:pPr/>
-              <a:t>7/9/2020</a:t>
+              <a:t>6/27/2020</a:t>
             </a:fld>
             <a:endParaRPr lang="en-US"/>
           </a:p>
@@ -1745,7 +1745,7 @@
             <a:fld id="{3A0D26ED-8899-45B8-B9A2-5F7E705B260A}" type="datetime1">
               <a:rPr lang="en-US" smtClean="0"/>
               <a:pPr/>
-              <a:t>7/9/2020</a:t>
+              <a:t>6/27/2020</a:t>
             </a:fld>
             <a:endParaRPr lang="en-US"/>
           </a:p>
@@ -1926,7 +1926,7 @@
             <a:fld id="{34398A4D-53CC-483E-96BE-B6281DC3DF92}" type="datetime1">
               <a:rPr lang="en-US" smtClean="0"/>
               <a:pPr/>
-              <a:t>7/9/2020</a:t>
+              <a:t>6/27/2020</a:t>
             </a:fld>
             <a:endParaRPr lang="en-US"/>
           </a:p>
@@ -2102,7 +2102,7 @@
             <a:fld id="{86678DB6-9FA8-4164-8332-A883D8F2C54D}" type="datetime1">
               <a:rPr lang="en-US" smtClean="0"/>
               <a:pPr/>
-              <a:t>7/9/2020</a:t>
+              <a:t>6/27/2020</a:t>
             </a:fld>
             <a:endParaRPr lang="en-US"/>
           </a:p>
@@ -2318,7 +2318,7 @@
             <a:fld id="{21CEE656-E7A1-4379-B7B8-3DBDE2CC6CC9}" type="datetime1">
               <a:rPr lang="en-US" smtClean="0"/>
               <a:pPr/>
-              <a:t>7/9/2020</a:t>
+              <a:t>6/27/2020</a:t>
             </a:fld>
             <a:endParaRPr lang="en-US"/>
           </a:p>
@@ -3138,7 +3138,7 @@
             <a:fld id="{98B85172-7C0D-4B70-B863-7CAA34B8AF30}" type="datetime1">
               <a:rPr lang="en-US" smtClean="0"/>
               <a:pPr/>
-              <a:t>7/9/2020</a:t>
+              <a:t>6/27/2020</a:t>
             </a:fld>
             <a:endParaRPr lang="en-US"/>
           </a:p>
@@ -3380,7 +3380,7 @@
             <a:fld id="{0C01A826-6846-42E7-886A-5929E847939D}" type="datetime1">
               <a:rPr lang="en-US" smtClean="0"/>
               <a:pPr/>
-              <a:t>7/9/2020</a:t>
+              <a:t>6/27/2020</a:t>
             </a:fld>
             <a:endParaRPr lang="en-US"/>
           </a:p>
@@ -3709,7 +3709,7 @@
             <a:fld id="{CDB64610-4423-4196-BE76-CD68EBCED184}" type="datetime1">
               <a:rPr lang="en-US" smtClean="0"/>
               <a:pPr/>
-              <a:t>7/9/2020</a:t>
+              <a:t>6/27/2020</a:t>
             </a:fld>
             <a:endParaRPr lang="en-US"/>
           </a:p>
@@ -3805,7 +3805,7 @@
             <a:fld id="{8DC76AF3-6F12-4313-A487-9F3495470CE7}" type="datetime1">
               <a:rPr lang="en-US" smtClean="0"/>
               <a:pPr/>
-              <a:t>7/9/2020</a:t>
+              <a:t>6/27/2020</a:t>
             </a:fld>
             <a:endParaRPr lang="en-US"/>
           </a:p>
@@ -4328,7 +4328,7 @@
             <a:fld id="{E67C1E6D-30C8-412D-A086-ED005AE948E8}" type="datetime1">
               <a:rPr lang="en-US" smtClean="0"/>
               <a:pPr/>
-              <a:t>7/9/2020</a:t>
+              <a:t>6/27/2020</a:t>
             </a:fld>
             <a:endParaRPr lang="en-US"/>
           </a:p>
@@ -4845,7 +4845,7 @@
             <a:fld id="{61ACC9AA-536C-4747-B325-B5E3A9016B33}" type="datetime1">
               <a:rPr lang="en-US" smtClean="0"/>
               <a:pPr/>
-              <a:t>7/9/2020</a:t>
+              <a:t>6/27/2020</a:t>
             </a:fld>
             <a:endParaRPr lang="en-US"/>
           </a:p>
@@ -5096,7 +5096,7 @@
             <a:fld id="{C3AC4B96-5F5E-4B9F-A46B-93F104CE0A15}" type="datetime1">
               <a:rPr lang="en-US" smtClean="0"/>
               <a:pPr/>
-              <a:t>7/9/2020</a:t>
+              <a:t>6/27/2020</a:t>
             </a:fld>
             <a:endParaRPr lang="en-US"/>
           </a:p>
@@ -5920,8 +5920,19 @@
                 <a:latin typeface="Times New Roman" pitchFamily="18" charset="0"/>
                 <a:cs typeface="Times New Roman" pitchFamily="18" charset="0"/>
               </a:rPr>
-              <a:t>Introduction to Python.</a:t>
-            </a:r>
+              <a:t>Introduction to </a:t>
+            </a:r>
+            <a:r>
+              <a:rPr lang="en-IN" dirty="0" smtClean="0">
+                <a:latin typeface="Times New Roman" pitchFamily="18" charset="0"/>
+                <a:cs typeface="Times New Roman" pitchFamily="18" charset="0"/>
+              </a:rPr>
+              <a:t>Python.</a:t>
+            </a:r>
+            <a:endParaRPr lang="en-IN" dirty="0" smtClean="0">
+              <a:latin typeface="Times New Roman" pitchFamily="18" charset="0"/>
+              <a:cs typeface="Times New Roman" pitchFamily="18" charset="0"/>
+            </a:endParaRPr>
           </a:p>
           <a:p>
             <a:pPr lvl="0"/>
@@ -5950,7 +5961,14 @@
                 <a:latin typeface="Times New Roman" pitchFamily="18" charset="0"/>
                 <a:cs typeface="Times New Roman" pitchFamily="18" charset="0"/>
               </a:rPr>
-              <a:t>First Program for ‘hello world’.</a:t>
+              <a:t>First Program for ‘hello world</a:t>
+            </a:r>
+            <a:r>
+              <a:rPr lang="en-IN" dirty="0" smtClean="0">
+                <a:latin typeface="Times New Roman" pitchFamily="18" charset="0"/>
+                <a:cs typeface="Times New Roman" pitchFamily="18" charset="0"/>
+              </a:rPr>
+              <a:t>’.</a:t>
             </a:r>
           </a:p>
           <a:p>
@@ -5962,6 +5980,10 @@
               </a:rPr>
               <a:t>Data Type</a:t>
             </a:r>
+            <a:endParaRPr lang="en-IN" dirty="0" smtClean="0">
+              <a:latin typeface="Times New Roman" pitchFamily="18" charset="0"/>
+              <a:cs typeface="Times New Roman" pitchFamily="18" charset="0"/>
+            </a:endParaRPr>
           </a:p>
         </p:txBody>
       </p:sp>
@@ -6123,11 +6145,7 @@
             <a:pPr lvl="1"/>
             <a:r>
               <a:rPr lang="en-IN" dirty="0" smtClean="0"/>
-              <a:t>Scripting (</a:t>
-            </a:r>
-            <a:r>
-              <a:rPr lang="en-IN" dirty="0" smtClean="0"/>
-              <a:t>Automation)</a:t>
+              <a:t>Scripting(Automation)</a:t>
             </a:r>
           </a:p>
           <a:p>
@@ -6301,7 +6319,19 @@
               <a:rPr lang="en-US" dirty="0" smtClean="0">
                 <a:hlinkClick r:id="rId2"/>
               </a:rPr>
-              <a:t>https://www.anaconda.com/products/individual</a:t>
+              <a:t>https</a:t>
+            </a:r>
+            <a:r>
+              <a:rPr lang="en-US" dirty="0" smtClean="0">
+                <a:hlinkClick r:id="rId2"/>
+              </a:rPr>
+              <a:t>://</a:t>
+            </a:r>
+            <a:r>
+              <a:rPr lang="en-US" dirty="0" smtClean="0">
+                <a:hlinkClick r:id="rId2"/>
+              </a:rPr>
+              <a:t>www.anaconda.com/products/individual</a:t>
             </a:r>
             <a:r>
               <a:rPr lang="en-US" dirty="0" smtClean="0"/>
@@ -6608,7 +6638,11 @@
             </a:pPr>
             <a:r>
               <a:rPr lang="en-IN" dirty="0" smtClean="0"/>
-              <a:t>THANK YOU!!</a:t>
+              <a:t>THANK </a:t>
+            </a:r>
+            <a:r>
+              <a:rPr lang="en-IN" dirty="0" smtClean="0"/>
+              <a:t>YOU!!</a:t>
             </a:r>
             <a:endParaRPr lang="en-US" dirty="0" smtClean="0"/>
           </a:p>
